--- a/Professor Brandão/Atividade/Arquitetura HL e LV incubadora.pptx
+++ b/Professor Brandão/Atividade/Arquitetura HL e LV incubadora.pptx
@@ -244,7 +244,7 @@
           <a:p>
             <a:fld id="{24DC6F6F-C09A-4FB7-97E3-78F353222510}" type="datetimeFigureOut">
               <a:rPr lang="pt-BR" smtClean="0"/>
-              <a:t>18/09/2018</a:t>
+              <a:t>21/09/2018</a:t>
             </a:fld>
             <a:endParaRPr lang="pt-BR"/>
           </a:p>
@@ -412,7 +412,7 @@
           <a:p>
             <a:fld id="{24DC6F6F-C09A-4FB7-97E3-78F353222510}" type="datetimeFigureOut">
               <a:rPr lang="pt-BR" smtClean="0"/>
-              <a:t>18/09/2018</a:t>
+              <a:t>21/09/2018</a:t>
             </a:fld>
             <a:endParaRPr lang="pt-BR"/>
           </a:p>
@@ -590,7 +590,7 @@
           <a:p>
             <a:fld id="{24DC6F6F-C09A-4FB7-97E3-78F353222510}" type="datetimeFigureOut">
               <a:rPr lang="pt-BR" smtClean="0"/>
-              <a:t>18/09/2018</a:t>
+              <a:t>21/09/2018</a:t>
             </a:fld>
             <a:endParaRPr lang="pt-BR"/>
           </a:p>
@@ -758,7 +758,7 @@
           <a:p>
             <a:fld id="{24DC6F6F-C09A-4FB7-97E3-78F353222510}" type="datetimeFigureOut">
               <a:rPr lang="pt-BR" smtClean="0"/>
-              <a:t>18/09/2018</a:t>
+              <a:t>21/09/2018</a:t>
             </a:fld>
             <a:endParaRPr lang="pt-BR"/>
           </a:p>
@@ -1003,7 +1003,7 @@
           <a:p>
             <a:fld id="{24DC6F6F-C09A-4FB7-97E3-78F353222510}" type="datetimeFigureOut">
               <a:rPr lang="pt-BR" smtClean="0"/>
-              <a:t>18/09/2018</a:t>
+              <a:t>21/09/2018</a:t>
             </a:fld>
             <a:endParaRPr lang="pt-BR"/>
           </a:p>
@@ -1232,7 +1232,7 @@
           <a:p>
             <a:fld id="{24DC6F6F-C09A-4FB7-97E3-78F353222510}" type="datetimeFigureOut">
               <a:rPr lang="pt-BR" smtClean="0"/>
-              <a:t>18/09/2018</a:t>
+              <a:t>21/09/2018</a:t>
             </a:fld>
             <a:endParaRPr lang="pt-BR"/>
           </a:p>
@@ -1596,7 +1596,7 @@
           <a:p>
             <a:fld id="{24DC6F6F-C09A-4FB7-97E3-78F353222510}" type="datetimeFigureOut">
               <a:rPr lang="pt-BR" smtClean="0"/>
-              <a:t>18/09/2018</a:t>
+              <a:t>21/09/2018</a:t>
             </a:fld>
             <a:endParaRPr lang="pt-BR"/>
           </a:p>
@@ -1713,7 +1713,7 @@
           <a:p>
             <a:fld id="{24DC6F6F-C09A-4FB7-97E3-78F353222510}" type="datetimeFigureOut">
               <a:rPr lang="pt-BR" smtClean="0"/>
-              <a:t>18/09/2018</a:t>
+              <a:t>21/09/2018</a:t>
             </a:fld>
             <a:endParaRPr lang="pt-BR"/>
           </a:p>
@@ -1808,7 +1808,7 @@
           <a:p>
             <a:fld id="{24DC6F6F-C09A-4FB7-97E3-78F353222510}" type="datetimeFigureOut">
               <a:rPr lang="pt-BR" smtClean="0"/>
-              <a:t>18/09/2018</a:t>
+              <a:t>21/09/2018</a:t>
             </a:fld>
             <a:endParaRPr lang="pt-BR"/>
           </a:p>
@@ -2083,7 +2083,7 @@
           <a:p>
             <a:fld id="{24DC6F6F-C09A-4FB7-97E3-78F353222510}" type="datetimeFigureOut">
               <a:rPr lang="pt-BR" smtClean="0"/>
-              <a:t>18/09/2018</a:t>
+              <a:t>21/09/2018</a:t>
             </a:fld>
             <a:endParaRPr lang="pt-BR"/>
           </a:p>
@@ -2335,7 +2335,7 @@
           <a:p>
             <a:fld id="{24DC6F6F-C09A-4FB7-97E3-78F353222510}" type="datetimeFigureOut">
               <a:rPr lang="pt-BR" smtClean="0"/>
-              <a:t>18/09/2018</a:t>
+              <a:t>21/09/2018</a:t>
             </a:fld>
             <a:endParaRPr lang="pt-BR"/>
           </a:p>
@@ -2546,7 +2546,7 @@
           <a:p>
             <a:fld id="{24DC6F6F-C09A-4FB7-97E3-78F353222510}" type="datetimeFigureOut">
               <a:rPr lang="pt-BR" smtClean="0"/>
-              <a:t>18/09/2018</a:t>
+              <a:t>21/09/2018</a:t>
             </a:fld>
             <a:endParaRPr lang="pt-BR"/>
           </a:p>
@@ -6344,7 +6344,7 @@
         </p:nvCxnSpPr>
         <p:spPr>
           <a:xfrm>
-            <a:off x="7082971" y="3243489"/>
+            <a:off x="7082971" y="3712018"/>
             <a:ext cx="1433258" cy="0"/>
           </a:xfrm>
           <a:prstGeom prst="line">
@@ -7033,7 +7033,7 @@
         </p:nvCxnSpPr>
         <p:spPr>
           <a:xfrm>
-            <a:off x="7264546" y="3732191"/>
+            <a:off x="7264546" y="3201480"/>
             <a:ext cx="1255053" cy="0"/>
           </a:xfrm>
           <a:prstGeom prst="line">
